--- a/220704/220704_EDA_왓고컴코_PPT_V2.pptx
+++ b/220704/220704_EDA_왓고컴코_PPT_V2.pptx
@@ -4178,7 +4178,55 @@
           <a:bodyPr/>
           <a:lstStyle/>
           <a:p>
-            <a:endParaRPr lang="ko-KR" altLang="en-US" dirty="0"/>
+            <a:r>
+              <a:rPr lang="ko-KR" altLang="en-US" dirty="0"/>
+              <a:t>전체적인 데이터 분포가 동일해서 신뢰성이 있다</a:t>
+            </a:r>
+            <a:r>
+              <a:rPr lang="en-US" altLang="ko-KR" dirty="0"/>
+              <a:t>.</a:t>
+            </a:r>
+          </a:p>
+          <a:p>
+            <a:endParaRPr lang="en-US" altLang="ko-KR" dirty="0"/>
+          </a:p>
+          <a:p>
+            <a:r>
+              <a:rPr lang="ko-KR" altLang="en-US" dirty="0"/>
+              <a:t>최상위 </a:t>
+            </a:r>
+            <a:r>
+              <a:rPr lang="ko-KR" altLang="en-US" dirty="0" err="1"/>
+              <a:t>티어인</a:t>
+            </a:r>
+            <a:r>
+              <a:rPr lang="ko-KR" altLang="en-US" dirty="0"/>
+              <a:t> </a:t>
+            </a:r>
+            <a:r>
+              <a:rPr lang="ko-KR" altLang="en-US" dirty="0" err="1"/>
+              <a:t>그마와</a:t>
+            </a:r>
+            <a:r>
+              <a:rPr lang="ko-KR" altLang="en-US" dirty="0"/>
+              <a:t> </a:t>
+            </a:r>
+            <a:r>
+              <a:rPr lang="ko-KR" altLang="en-US" dirty="0" err="1"/>
+              <a:t>챌이</a:t>
+            </a:r>
+            <a:r>
+              <a:rPr lang="ko-KR" altLang="en-US" dirty="0"/>
+              <a:t> </a:t>
+            </a:r>
+            <a:r>
+              <a:rPr lang="ko-KR" altLang="en-US" dirty="0" err="1"/>
+              <a:t>없다는게</a:t>
+            </a:r>
+            <a:r>
+              <a:rPr lang="ko-KR" altLang="en-US" dirty="0"/>
+              <a:t> 아쉽</a:t>
+            </a:r>
           </a:p>
         </p:txBody>
       </p:sp>
@@ -4293,6 +4341,280 @@
     <p:extLst>
       <p:ext uri="{BB962C8B-B14F-4D97-AF65-F5344CB8AC3E}">
         <p14:creationId xmlns:p14="http://schemas.microsoft.com/office/powerpoint/2010/main" val="970826323"/>
+      </p:ext>
+    </p:extLst>
+  </p:cSld>
+  <p:clrMapOvr>
+    <a:masterClrMapping/>
+  </p:clrMapOvr>
+</p:notes>
+</file>
+
+<file path=ppt/notesSlides/notesSlide5.xml><?xml version="1.0" encoding="utf-8"?>
+<p:notes xmlns:a="http://schemas.openxmlformats.org/drawingml/2006/main" xmlns:r="http://schemas.openxmlformats.org/officeDocument/2006/relationships" xmlns:p="http://schemas.openxmlformats.org/presentationml/2006/main">
+  <p:cSld>
+    <p:spTree>
+      <p:nvGrpSpPr>
+        <p:cNvPr id="1" name=""/>
+        <p:cNvGrpSpPr/>
+        <p:nvPr/>
+      </p:nvGrpSpPr>
+      <p:grpSpPr>
+        <a:xfrm>
+          <a:off x="0" y="0"/>
+          <a:ext cx="0" cy="0"/>
+          <a:chOff x="0" y="0"/>
+          <a:chExt cx="0" cy="0"/>
+        </a:xfrm>
+      </p:grpSpPr>
+      <p:sp>
+        <p:nvSpPr>
+          <p:cNvPr id="2" name="슬라이드 이미지 개체 틀 1"/>
+          <p:cNvSpPr>
+            <a:spLocks noGrp="1" noRot="1" noChangeAspect="1"/>
+          </p:cNvSpPr>
+          <p:nvPr>
+            <p:ph type="sldImg"/>
+          </p:nvPr>
+        </p:nvSpPr>
+        <p:spPr/>
+      </p:sp>
+      <p:sp>
+        <p:nvSpPr>
+          <p:cNvPr id="3" name="슬라이드 노트 개체 틀 2"/>
+          <p:cNvSpPr>
+            <a:spLocks noGrp="1"/>
+          </p:cNvSpPr>
+          <p:nvPr>
+            <p:ph type="body" idx="1"/>
+          </p:nvPr>
+        </p:nvSpPr>
+        <p:spPr/>
+        <p:txBody>
+          <a:bodyPr/>
+          <a:lstStyle/>
+          <a:p>
+            <a:r>
+              <a:rPr lang="ko-KR" altLang="en-US" dirty="0"/>
+              <a:t>사실 모드별로 분석은 잘 모르겠다</a:t>
+            </a:r>
+            <a:r>
+              <a:rPr lang="en-US" altLang="ko-KR" dirty="0"/>
+              <a:t>.</a:t>
+            </a:r>
+            <a:endParaRPr lang="ko-KR" altLang="en-US" dirty="0"/>
+          </a:p>
+        </p:txBody>
+      </p:sp>
+      <p:sp>
+        <p:nvSpPr>
+          <p:cNvPr id="4" name="슬라이드 번호 개체 틀 3"/>
+          <p:cNvSpPr>
+            <a:spLocks noGrp="1"/>
+          </p:cNvSpPr>
+          <p:nvPr>
+            <p:ph type="sldNum" sz="quarter" idx="5"/>
+          </p:nvPr>
+        </p:nvSpPr>
+        <p:spPr/>
+        <p:txBody>
+          <a:bodyPr/>
+          <a:lstStyle/>
+          <a:p>
+            <a:fld id="{BE5E9F10-D1AF-43F7-8028-F2E1ABB3DCEC}" type="slidenum">
+              <a:rPr lang="ko-KR" altLang="en-US" smtClean="0"/>
+              <a:t>11</a:t>
+            </a:fld>
+            <a:endParaRPr lang="ko-KR" altLang="en-US"/>
+          </a:p>
+        </p:txBody>
+      </p:sp>
+    </p:spTree>
+    <p:extLst>
+      <p:ext uri="{BB962C8B-B14F-4D97-AF65-F5344CB8AC3E}">
+        <p14:creationId xmlns:p14="http://schemas.microsoft.com/office/powerpoint/2010/main" val="2702787085"/>
+      </p:ext>
+    </p:extLst>
+  </p:cSld>
+  <p:clrMapOvr>
+    <a:masterClrMapping/>
+  </p:clrMapOvr>
+</p:notes>
+</file>
+
+<file path=ppt/notesSlides/notesSlide6.xml><?xml version="1.0" encoding="utf-8"?>
+<p:notes xmlns:a="http://schemas.openxmlformats.org/drawingml/2006/main" xmlns:r="http://schemas.openxmlformats.org/officeDocument/2006/relationships" xmlns:p="http://schemas.openxmlformats.org/presentationml/2006/main">
+  <p:cSld>
+    <p:spTree>
+      <p:nvGrpSpPr>
+        <p:cNvPr id="1" name=""/>
+        <p:cNvGrpSpPr/>
+        <p:nvPr/>
+      </p:nvGrpSpPr>
+      <p:grpSpPr>
+        <a:xfrm>
+          <a:off x="0" y="0"/>
+          <a:ext cx="0" cy="0"/>
+          <a:chOff x="0" y="0"/>
+          <a:chExt cx="0" cy="0"/>
+        </a:xfrm>
+      </p:grpSpPr>
+      <p:sp>
+        <p:nvSpPr>
+          <p:cNvPr id="2" name="슬라이드 이미지 개체 틀 1"/>
+          <p:cNvSpPr>
+            <a:spLocks noGrp="1" noRot="1" noChangeAspect="1"/>
+          </p:cNvSpPr>
+          <p:nvPr>
+            <p:ph type="sldImg"/>
+          </p:nvPr>
+        </p:nvSpPr>
+        <p:spPr/>
+      </p:sp>
+      <p:sp>
+        <p:nvSpPr>
+          <p:cNvPr id="3" name="슬라이드 노트 개체 틀 2"/>
+          <p:cNvSpPr>
+            <a:spLocks noGrp="1"/>
+          </p:cNvSpPr>
+          <p:nvPr>
+            <p:ph type="body" idx="1"/>
+          </p:nvPr>
+        </p:nvSpPr>
+        <p:spPr/>
+        <p:txBody>
+          <a:bodyPr/>
+          <a:lstStyle/>
+          <a:p>
+            <a:r>
+              <a:rPr lang="ko-KR" altLang="en-US" dirty="0"/>
+              <a:t>포지션 별 분석</a:t>
+            </a:r>
+          </a:p>
+        </p:txBody>
+      </p:sp>
+      <p:sp>
+        <p:nvSpPr>
+          <p:cNvPr id="4" name="슬라이드 번호 개체 틀 3"/>
+          <p:cNvSpPr>
+            <a:spLocks noGrp="1"/>
+          </p:cNvSpPr>
+          <p:nvPr>
+            <p:ph type="sldNum" sz="quarter" idx="5"/>
+          </p:nvPr>
+        </p:nvSpPr>
+        <p:spPr/>
+        <p:txBody>
+          <a:bodyPr/>
+          <a:lstStyle/>
+          <a:p>
+            <a:fld id="{BE5E9F10-D1AF-43F7-8028-F2E1ABB3DCEC}" type="slidenum">
+              <a:rPr lang="ko-KR" altLang="en-US" smtClean="0"/>
+              <a:t>12</a:t>
+            </a:fld>
+            <a:endParaRPr lang="ko-KR" altLang="en-US"/>
+          </a:p>
+        </p:txBody>
+      </p:sp>
+    </p:spTree>
+    <p:extLst>
+      <p:ext uri="{BB962C8B-B14F-4D97-AF65-F5344CB8AC3E}">
+        <p14:creationId xmlns:p14="http://schemas.microsoft.com/office/powerpoint/2010/main" val="1959015065"/>
+      </p:ext>
+    </p:extLst>
+  </p:cSld>
+  <p:clrMapOvr>
+    <a:masterClrMapping/>
+  </p:clrMapOvr>
+</p:notes>
+</file>
+
+<file path=ppt/notesSlides/notesSlide7.xml><?xml version="1.0" encoding="utf-8"?>
+<p:notes xmlns:a="http://schemas.openxmlformats.org/drawingml/2006/main" xmlns:r="http://schemas.openxmlformats.org/officeDocument/2006/relationships" xmlns:p="http://schemas.openxmlformats.org/presentationml/2006/main">
+  <p:cSld>
+    <p:spTree>
+      <p:nvGrpSpPr>
+        <p:cNvPr id="1" name=""/>
+        <p:cNvGrpSpPr/>
+        <p:nvPr/>
+      </p:nvGrpSpPr>
+      <p:grpSpPr>
+        <a:xfrm>
+          <a:off x="0" y="0"/>
+          <a:ext cx="0" cy="0"/>
+          <a:chOff x="0" y="0"/>
+          <a:chExt cx="0" cy="0"/>
+        </a:xfrm>
+      </p:grpSpPr>
+      <p:sp>
+        <p:nvSpPr>
+          <p:cNvPr id="2" name="슬라이드 이미지 개체 틀 1"/>
+          <p:cNvSpPr>
+            <a:spLocks noGrp="1" noRot="1" noChangeAspect="1"/>
+          </p:cNvSpPr>
+          <p:nvPr>
+            <p:ph type="sldImg"/>
+          </p:nvPr>
+        </p:nvSpPr>
+        <p:spPr/>
+      </p:sp>
+      <p:sp>
+        <p:nvSpPr>
+          <p:cNvPr id="3" name="슬라이드 노트 개체 틀 2"/>
+          <p:cNvSpPr>
+            <a:spLocks noGrp="1"/>
+          </p:cNvSpPr>
+          <p:nvPr>
+            <p:ph type="body" idx="1"/>
+          </p:nvPr>
+        </p:nvSpPr>
+        <p:spPr/>
+        <p:txBody>
+          <a:bodyPr/>
+          <a:lstStyle/>
+          <a:p>
+            <a:r>
+              <a:rPr lang="ko-KR" altLang="en-US" dirty="0"/>
+              <a:t>모드별로 승</a:t>
+            </a:r>
+            <a:r>
+              <a:rPr lang="en-US" altLang="ko-KR" dirty="0"/>
+              <a:t>/</a:t>
+            </a:r>
+            <a:r>
+              <a:rPr lang="ko-KR" altLang="en-US" dirty="0"/>
+              <a:t>패 했을 때의 걸리는 시간 통계 내보기</a:t>
+            </a:r>
+          </a:p>
+        </p:txBody>
+      </p:sp>
+      <p:sp>
+        <p:nvSpPr>
+          <p:cNvPr id="4" name="슬라이드 번호 개체 틀 3"/>
+          <p:cNvSpPr>
+            <a:spLocks noGrp="1"/>
+          </p:cNvSpPr>
+          <p:nvPr>
+            <p:ph type="sldNum" sz="quarter" idx="5"/>
+          </p:nvPr>
+        </p:nvSpPr>
+        <p:spPr/>
+        <p:txBody>
+          <a:bodyPr/>
+          <a:lstStyle/>
+          <a:p>
+            <a:fld id="{BE5E9F10-D1AF-43F7-8028-F2E1ABB3DCEC}" type="slidenum">
+              <a:rPr lang="ko-KR" altLang="en-US" smtClean="0"/>
+              <a:t>13</a:t>
+            </a:fld>
+            <a:endParaRPr lang="ko-KR" altLang="en-US"/>
+          </a:p>
+        </p:txBody>
+      </p:sp>
+    </p:spTree>
+    <p:extLst>
+      <p:ext uri="{BB962C8B-B14F-4D97-AF65-F5344CB8AC3E}">
+        <p14:creationId xmlns:p14="http://schemas.microsoft.com/office/powerpoint/2010/main" val="4102943153"/>
       </p:ext>
     </p:extLst>
   </p:cSld>
@@ -12684,7 +13006,7 @@
                     <a:p>
                       <a:pPr algn="ctr" fontAlgn="ctr"/>
                       <a:r>
-                        <a:rPr lang="en-US" altLang="ko-KR" sz="1100" u="none" strike="noStrike">
+                        <a:rPr lang="en-US" altLang="ko-KR" sz="1100" u="none" strike="noStrike" dirty="0">
                           <a:solidFill>
                             <a:schemeClr val="bg1"/>
                           </a:solidFill>
@@ -12692,7 +13014,7 @@
                         </a:rPr>
                         <a:t>7.32</a:t>
                       </a:r>
-                      <a:endParaRPr lang="en-US" altLang="ko-KR" sz="1100" b="0" i="0" u="none" strike="noStrike">
+                      <a:endParaRPr lang="en-US" altLang="ko-KR" sz="1100" b="0" i="0" u="none" strike="noStrike" dirty="0">
                         <a:solidFill>
                           <a:schemeClr val="bg1"/>
                         </a:solidFill>
@@ -13388,7 +13710,7 @@
                     <a:p>
                       <a:pPr algn="ctr" fontAlgn="ctr"/>
                       <a:r>
-                        <a:rPr lang="en-US" altLang="ko-KR" sz="1100" u="none" strike="noStrike">
+                        <a:rPr lang="en-US" altLang="ko-KR" sz="1100" u="none" strike="noStrike" dirty="0">
                           <a:solidFill>
                             <a:schemeClr val="bg1"/>
                           </a:solidFill>
@@ -13396,7 +13718,7 @@
                         </a:rPr>
                         <a:t>7.6</a:t>
                       </a:r>
-                      <a:endParaRPr lang="en-US" altLang="ko-KR" sz="1100" b="0" i="0" u="none" strike="noStrike">
+                      <a:endParaRPr lang="en-US" altLang="ko-KR" sz="1100" b="0" i="0" u="none" strike="noStrike" dirty="0">
                         <a:solidFill>
                           <a:schemeClr val="bg1"/>
                         </a:solidFill>
@@ -14092,7 +14414,7 @@
                     <a:p>
                       <a:pPr algn="ctr" fontAlgn="ctr"/>
                       <a:r>
-                        <a:rPr lang="en-US" altLang="ko-KR" sz="1100" u="none" strike="noStrike">
+                        <a:rPr lang="en-US" altLang="ko-KR" sz="1100" u="none" strike="noStrike" dirty="0">
                           <a:solidFill>
                             <a:schemeClr val="bg1"/>
                           </a:solidFill>
@@ -14100,7 +14422,7 @@
                         </a:rPr>
                         <a:t>7.73</a:t>
                       </a:r>
-                      <a:endParaRPr lang="en-US" altLang="ko-KR" sz="1100" b="0" i="0" u="none" strike="noStrike">
+                      <a:endParaRPr lang="en-US" altLang="ko-KR" sz="1100" b="0" i="0" u="none" strike="noStrike" dirty="0">
                         <a:solidFill>
                           <a:schemeClr val="bg1"/>
                         </a:solidFill>
@@ -14796,7 +15118,7 @@
                     <a:p>
                       <a:pPr algn="ctr" fontAlgn="ctr"/>
                       <a:r>
-                        <a:rPr lang="en-US" altLang="ko-KR" sz="1100" u="none" strike="noStrike">
+                        <a:rPr lang="en-US" altLang="ko-KR" sz="1100" u="none" strike="noStrike" dirty="0">
                           <a:solidFill>
                             <a:schemeClr val="bg1"/>
                           </a:solidFill>
@@ -14804,7 +15126,7 @@
                         </a:rPr>
                         <a:t>7.7</a:t>
                       </a:r>
-                      <a:endParaRPr lang="en-US" altLang="ko-KR" sz="1100" b="0" i="0" u="none" strike="noStrike">
+                      <a:endParaRPr lang="en-US" altLang="ko-KR" sz="1100" b="0" i="0" u="none" strike="noStrike" dirty="0">
                         <a:solidFill>
                           <a:schemeClr val="bg1"/>
                         </a:solidFill>
@@ -15500,7 +15822,7 @@
                     <a:p>
                       <a:pPr algn="ctr" fontAlgn="ctr"/>
                       <a:r>
-                        <a:rPr lang="en-US" altLang="ko-KR" sz="1100" u="none" strike="noStrike">
+                        <a:rPr lang="en-US" altLang="ko-KR" sz="1100" u="none" strike="noStrike" dirty="0">
                           <a:solidFill>
                             <a:schemeClr val="bg1"/>
                           </a:solidFill>
@@ -15508,7 +15830,7 @@
                         </a:rPr>
                         <a:t>7.57</a:t>
                       </a:r>
-                      <a:endParaRPr lang="en-US" altLang="ko-KR" sz="1100" b="0" i="0" u="none" strike="noStrike">
+                      <a:endParaRPr lang="en-US" altLang="ko-KR" sz="1100" b="0" i="0" u="none" strike="noStrike" dirty="0">
                         <a:solidFill>
                           <a:schemeClr val="bg1"/>
                         </a:solidFill>
@@ -16204,7 +16526,7 @@
                     <a:p>
                       <a:pPr algn="ctr" fontAlgn="ctr"/>
                       <a:r>
-                        <a:rPr lang="en-US" altLang="ko-KR" sz="1100" u="none" strike="noStrike">
+                        <a:rPr lang="en-US" altLang="ko-KR" sz="1100" u="none" strike="noStrike" dirty="0">
                           <a:solidFill>
                             <a:schemeClr val="bg1"/>
                           </a:solidFill>
@@ -16212,7 +16534,7 @@
                         </a:rPr>
                         <a:t>7.31</a:t>
                       </a:r>
-                      <a:endParaRPr lang="en-US" altLang="ko-KR" sz="1100" b="0" i="0" u="none" strike="noStrike">
+                      <a:endParaRPr lang="en-US" altLang="ko-KR" sz="1100" b="0" i="0" u="none" strike="noStrike" dirty="0">
                         <a:solidFill>
                           <a:schemeClr val="bg1"/>
                         </a:solidFill>
@@ -16881,7 +17203,7 @@
                     <a:p>
                       <a:pPr algn="ctr" fontAlgn="ctr"/>
                       <a:r>
-                        <a:rPr lang="en-US" altLang="ko-KR" sz="1100" u="none" strike="noStrike">
+                        <a:rPr lang="en-US" altLang="ko-KR" sz="1100" u="none" strike="noStrike" dirty="0">
                           <a:solidFill>
                             <a:schemeClr val="bg1"/>
                           </a:solidFill>
@@ -16889,7 +17211,7 @@
                         </a:rPr>
                         <a:t>7.28</a:t>
                       </a:r>
-                      <a:endParaRPr lang="en-US" altLang="ko-KR" sz="1100" b="0" i="0" u="none" strike="noStrike">
+                      <a:endParaRPr lang="en-US" altLang="ko-KR" sz="1100" b="0" i="0" u="none" strike="noStrike" dirty="0">
                         <a:solidFill>
                           <a:schemeClr val="bg1"/>
                         </a:solidFill>
@@ -17680,7 +18002,7 @@
                     <a:p>
                       <a:pPr algn="ctr" fontAlgn="ctr"/>
                       <a:r>
-                        <a:rPr lang="en-US" altLang="ko-KR" sz="1100" u="none" strike="noStrike">
+                        <a:rPr lang="en-US" altLang="ko-KR" sz="1100" u="none" strike="noStrike" dirty="0">
                           <a:solidFill>
                             <a:schemeClr val="bg1"/>
                           </a:solidFill>
@@ -17688,7 +18010,7 @@
                         </a:rPr>
                         <a:t>2.63</a:t>
                       </a:r>
-                      <a:endParaRPr lang="en-US" altLang="ko-KR" sz="1100" b="0" i="0" u="none" strike="noStrike">
+                      <a:endParaRPr lang="en-US" altLang="ko-KR" sz="1100" b="0" i="0" u="none" strike="noStrike" dirty="0">
                         <a:solidFill>
                           <a:schemeClr val="bg1"/>
                         </a:solidFill>
@@ -18224,7 +18546,7 @@
             <p:nvPr/>
           </p:nvPicPr>
           <p:blipFill>
-            <a:blip r:embed="rId2">
+            <a:blip r:embed="rId3">
               <a:extLst>
                 <a:ext uri="{28A0092B-C50C-407E-A947-70E740481C1C}">
                   <a14:useLocalDpi xmlns:a14="http://schemas.microsoft.com/office/drawing/2010/main" val="0"/>
@@ -22915,7 +23237,7 @@
             <p:nvPr/>
           </p:nvPicPr>
           <p:blipFill>
-            <a:blip r:embed="rId2">
+            <a:blip r:embed="rId3">
               <a:extLst>
                 <a:ext uri="{28A0092B-C50C-407E-A947-70E740481C1C}">
                   <a14:useLocalDpi xmlns:a14="http://schemas.microsoft.com/office/drawing/2010/main" val="0"/>
@@ -23334,7 +23656,7 @@
             <p:nvPr/>
           </p:nvPicPr>
           <p:blipFill>
-            <a:blip r:embed="rId3">
+            <a:blip r:embed="rId4">
               <a:extLst>
                 <a:ext uri="{28A0092B-C50C-407E-A947-70E740481C1C}">
                   <a14:useLocalDpi xmlns:a14="http://schemas.microsoft.com/office/drawing/2010/main" val="0"/>
@@ -23554,7 +23876,7 @@
             <p:nvPr/>
           </p:nvPicPr>
           <p:blipFill>
-            <a:blip r:embed="rId2">
+            <a:blip r:embed="rId3">
               <a:extLst>
                 <a:ext uri="{28A0092B-C50C-407E-A947-70E740481C1C}">
                   <a14:useLocalDpi xmlns:a14="http://schemas.microsoft.com/office/drawing/2010/main" val="0"/>
@@ -23989,7 +24311,7 @@
             <p:nvPr/>
           </p:nvPicPr>
           <p:blipFill>
-            <a:blip r:embed="rId3">
+            <a:blip r:embed="rId4">
               <a:extLst>
                 <a:ext uri="{28A0092B-C50C-407E-A947-70E740481C1C}">
                   <a14:useLocalDpi xmlns:a14="http://schemas.microsoft.com/office/drawing/2010/main" val="0"/>

--- a/220704/220704_EDA_왓고컴코_PPT_V2.pptx
+++ b/220704/220704_EDA_왓고컴코_PPT_V2.pptx
@@ -5,7 +5,7 @@
     <p:sldMasterId id="2147483648" r:id="rId1"/>
   </p:sldMasterIdLst>
   <p:notesMasterIdLst>
-    <p:notesMasterId r:id="rId18"/>
+    <p:notesMasterId r:id="rId19"/>
   </p:notesMasterIdLst>
   <p:sldIdLst>
     <p:sldId id="256" r:id="rId2"/>
@@ -21,9 +21,10 @@
     <p:sldId id="4183" r:id="rId12"/>
     <p:sldId id="4185" r:id="rId13"/>
     <p:sldId id="4192" r:id="rId14"/>
-    <p:sldId id="4187" r:id="rId15"/>
-    <p:sldId id="257" r:id="rId16"/>
-    <p:sldId id="4186" r:id="rId17"/>
+    <p:sldId id="4193" r:id="rId15"/>
+    <p:sldId id="4187" r:id="rId16"/>
+    <p:sldId id="257" r:id="rId17"/>
+    <p:sldId id="4186" r:id="rId18"/>
   </p:sldIdLst>
   <p:sldSz cx="12192000" cy="6858000"/>
   <p:notesSz cx="6858000" cy="9144000"/>
@@ -3699,7 +3700,7 @@
           <a:p>
             <a:fld id="{90082F13-FC0B-4487-88AB-D3A5B726EF09}" type="datetimeFigureOut">
               <a:rPr lang="ko-KR" altLang="en-US" smtClean="0"/>
-              <a:t>2022-07-04</a:t>
+              <a:t>2022-07-05</a:t>
             </a:fld>
             <a:endParaRPr lang="ko-KR" altLang="en-US"/>
           </a:p>
@@ -4624,6 +4625,161 @@
 </p:notes>
 </file>
 
+<file path=ppt/notesSlides/notesSlide8.xml><?xml version="1.0" encoding="utf-8"?>
+<p:notes xmlns:a="http://schemas.openxmlformats.org/drawingml/2006/main" xmlns:r="http://schemas.openxmlformats.org/officeDocument/2006/relationships" xmlns:p="http://schemas.openxmlformats.org/presentationml/2006/main">
+  <p:cSld>
+    <p:spTree>
+      <p:nvGrpSpPr>
+        <p:cNvPr id="1" name=""/>
+        <p:cNvGrpSpPr/>
+        <p:nvPr/>
+      </p:nvGrpSpPr>
+      <p:grpSpPr>
+        <a:xfrm>
+          <a:off x="0" y="0"/>
+          <a:ext cx="0" cy="0"/>
+          <a:chOff x="0" y="0"/>
+          <a:chExt cx="0" cy="0"/>
+        </a:xfrm>
+      </p:grpSpPr>
+      <p:sp>
+        <p:nvSpPr>
+          <p:cNvPr id="2" name="슬라이드 이미지 개체 틀 1"/>
+          <p:cNvSpPr>
+            <a:spLocks noGrp="1" noRot="1" noChangeAspect="1"/>
+          </p:cNvSpPr>
+          <p:nvPr>
+            <p:ph type="sldImg"/>
+          </p:nvPr>
+        </p:nvSpPr>
+        <p:spPr/>
+      </p:sp>
+      <p:sp>
+        <p:nvSpPr>
+          <p:cNvPr id="3" name="슬라이드 노트 개체 틀 2"/>
+          <p:cNvSpPr>
+            <a:spLocks noGrp="1"/>
+          </p:cNvSpPr>
+          <p:nvPr>
+            <p:ph type="body" idx="1"/>
+          </p:nvPr>
+        </p:nvSpPr>
+        <p:spPr/>
+        <p:txBody>
+          <a:bodyPr/>
+          <a:lstStyle/>
+          <a:p>
+            <a:r>
+              <a:rPr lang="ko-KR" altLang="en-US" dirty="0"/>
+              <a:t>모드별로 승</a:t>
+            </a:r>
+            <a:r>
+              <a:rPr lang="en-US" altLang="ko-KR" dirty="0"/>
+              <a:t>/</a:t>
+            </a:r>
+            <a:r>
+              <a:rPr lang="ko-KR" altLang="en-US" dirty="0"/>
+              <a:t>패 했을 때의 걸리는 시간 통계 내보기</a:t>
+            </a:r>
+          </a:p>
+        </p:txBody>
+      </p:sp>
+      <p:sp>
+        <p:nvSpPr>
+          <p:cNvPr id="4" name="슬라이드 번호 개체 틀 3"/>
+          <p:cNvSpPr>
+            <a:spLocks noGrp="1"/>
+          </p:cNvSpPr>
+          <p:nvPr>
+            <p:ph type="sldNum" sz="quarter" idx="5"/>
+          </p:nvPr>
+        </p:nvSpPr>
+        <p:spPr/>
+        <p:txBody>
+          <a:bodyPr/>
+          <a:lstStyle/>
+          <a:p>
+            <a:pPr marL="0" marR="0" lvl="0" indent="0" algn="r" defTabSz="914400" rtl="0" eaLnBrk="1" fontAlgn="auto" latinLnBrk="1" hangingPunct="1">
+              <a:lnSpc>
+                <a:spcPct val="100000"/>
+              </a:lnSpc>
+              <a:spcBef>
+                <a:spcPts val="0"/>
+              </a:spcBef>
+              <a:spcAft>
+                <a:spcPts val="0"/>
+              </a:spcAft>
+              <a:buClrTx/>
+              <a:buSzTx/>
+              <a:buFontTx/>
+              <a:buNone/>
+              <a:tabLst/>
+              <a:defRPr/>
+            </a:pPr>
+            <a:fld id="{BE5E9F10-D1AF-43F7-8028-F2E1ABB3DCEC}" type="slidenum">
+              <a:rPr kumimoji="0" lang="ko-KR" altLang="en-US" sz="1200" b="0" i="0" u="none" strike="noStrike" kern="1200" cap="none" spc="0" normalizeH="0" baseline="0" noProof="0" smtClean="0">
+                <a:ln>
+                  <a:noFill/>
+                </a:ln>
+                <a:solidFill>
+                  <a:prstClr val="black"/>
+                </a:solidFill>
+                <a:effectLst/>
+                <a:uLnTx/>
+                <a:uFillTx/>
+                <a:latin typeface="맑은 고딕" panose="020F0502020204030204"/>
+                <a:ea typeface="맑은 고딕" panose="020B0503020000020004" pitchFamily="50" charset="-127"/>
+                <a:cs typeface="+mn-cs"/>
+              </a:rPr>
+              <a:pPr marL="0" marR="0" lvl="0" indent="0" algn="r" defTabSz="914400" rtl="0" eaLnBrk="1" fontAlgn="auto" latinLnBrk="1" hangingPunct="1">
+                <a:lnSpc>
+                  <a:spcPct val="100000"/>
+                </a:lnSpc>
+                <a:spcBef>
+                  <a:spcPts val="0"/>
+                </a:spcBef>
+                <a:spcAft>
+                  <a:spcPts val="0"/>
+                </a:spcAft>
+                <a:buClrTx/>
+                <a:buSzTx/>
+                <a:buFontTx/>
+                <a:buNone/>
+                <a:tabLst/>
+                <a:defRPr/>
+              </a:pPr>
+              <a:t>14</a:t>
+            </a:fld>
+            <a:endParaRPr kumimoji="0" lang="ko-KR" altLang="en-US" sz="1200" b="0" i="0" u="none" strike="noStrike" kern="1200" cap="none" spc="0" normalizeH="0" baseline="0" noProof="0">
+              <a:ln>
+                <a:noFill/>
+              </a:ln>
+              <a:solidFill>
+                <a:prstClr val="black"/>
+              </a:solidFill>
+              <a:effectLst/>
+              <a:uLnTx/>
+              <a:uFillTx/>
+              <a:latin typeface="맑은 고딕" panose="020F0502020204030204"/>
+              <a:ea typeface="맑은 고딕" panose="020B0503020000020004" pitchFamily="50" charset="-127"/>
+              <a:cs typeface="+mn-cs"/>
+            </a:endParaRPr>
+          </a:p>
+        </p:txBody>
+      </p:sp>
+    </p:spTree>
+    <p:extLst>
+      <p:ext uri="{BB962C8B-B14F-4D97-AF65-F5344CB8AC3E}">
+        <p14:creationId xmlns:p14="http://schemas.microsoft.com/office/powerpoint/2010/main" val="3520890617"/>
+      </p:ext>
+    </p:extLst>
+  </p:cSld>
+  <p:clrMapOvr>
+    <a:masterClrMapping/>
+  </p:clrMapOvr>
+</p:notes>
+</file>
+
 <file path=ppt/slideLayouts/slideLayout1.xml><?xml version="1.0" encoding="utf-8"?>
 <p:sldLayout xmlns:a="http://schemas.openxmlformats.org/drawingml/2006/main" xmlns:r="http://schemas.openxmlformats.org/officeDocument/2006/relationships" xmlns:p="http://schemas.openxmlformats.org/presentationml/2006/main" type="title" preserve="1">
   <p:cSld name="제목 슬라이드">
@@ -4771,7 +4927,7 @@
           <a:p>
             <a:fld id="{0C6B3BED-1CDA-4186-8124-7377CABFAF54}" type="datetime1">
               <a:rPr lang="ko-KR" altLang="en-US" smtClean="0"/>
-              <a:t>2022-07-04</a:t>
+              <a:t>2022-07-05</a:t>
             </a:fld>
             <a:endParaRPr lang="ko-KR" altLang="en-US"/>
           </a:p>
@@ -4969,7 +5125,7 @@
           <a:p>
             <a:fld id="{3591FCBD-585C-4EE4-B111-1EB4C388E5B7}" type="datetime1">
               <a:rPr lang="ko-KR" altLang="en-US" smtClean="0"/>
-              <a:t>2022-07-04</a:t>
+              <a:t>2022-07-05</a:t>
             </a:fld>
             <a:endParaRPr lang="ko-KR" altLang="en-US"/>
           </a:p>
@@ -5177,7 +5333,7 @@
           <a:p>
             <a:fld id="{DF7A3BD4-31B8-4D68-895D-CC9630A6C4AD}" type="datetime1">
               <a:rPr lang="ko-KR" altLang="en-US" smtClean="0"/>
-              <a:t>2022-07-04</a:t>
+              <a:t>2022-07-05</a:t>
             </a:fld>
             <a:endParaRPr lang="ko-KR" altLang="en-US"/>
           </a:p>
@@ -5413,7 +5569,7 @@
           <a:p>
             <a:fld id="{ECD32A21-A5B9-4CA6-AC16-BC66B640EF75}" type="datetime1">
               <a:rPr lang="ko-KR" altLang="en-US" smtClean="0"/>
-              <a:t>2022-07-04</a:t>
+              <a:t>2022-07-05</a:t>
             </a:fld>
             <a:endParaRPr lang="ko-KR" altLang="en-US"/>
           </a:p>
@@ -5688,7 +5844,7 @@
           <a:p>
             <a:fld id="{5908DE07-7C13-4BE8-ADAE-A8C555B41899}" type="datetime1">
               <a:rPr lang="ko-KR" altLang="en-US" smtClean="0"/>
-              <a:t>2022-07-04</a:t>
+              <a:t>2022-07-05</a:t>
             </a:fld>
             <a:endParaRPr lang="ko-KR" altLang="en-US"/>
           </a:p>
@@ -5953,7 +6109,7 @@
           <a:p>
             <a:fld id="{F2B869C4-38AB-47E5-A10A-9E7BB58DCFD6}" type="datetime1">
               <a:rPr lang="ko-KR" altLang="en-US" smtClean="0"/>
-              <a:t>2022-07-04</a:t>
+              <a:t>2022-07-05</a:t>
             </a:fld>
             <a:endParaRPr lang="ko-KR" altLang="en-US"/>
           </a:p>
@@ -6365,7 +6521,7 @@
           <a:p>
             <a:fld id="{E043D1D6-5DBF-4146-85CD-EDE51A92613E}" type="datetime1">
               <a:rPr lang="ko-KR" altLang="en-US" smtClean="0"/>
-              <a:t>2022-07-04</a:t>
+              <a:t>2022-07-05</a:t>
             </a:fld>
             <a:endParaRPr lang="ko-KR" altLang="en-US"/>
           </a:p>
@@ -6506,7 +6662,7 @@
           <a:p>
             <a:fld id="{B12CB729-2267-4922-9B38-F6350C23D37F}" type="datetime1">
               <a:rPr lang="ko-KR" altLang="en-US" smtClean="0"/>
-              <a:t>2022-07-04</a:t>
+              <a:t>2022-07-05</a:t>
             </a:fld>
             <a:endParaRPr lang="ko-KR" altLang="en-US"/>
           </a:p>
@@ -6619,7 +6775,7 @@
           <a:p>
             <a:fld id="{81EBA4A0-7215-453F-A1B3-2D64E34BF9B6}" type="datetime1">
               <a:rPr lang="ko-KR" altLang="en-US" smtClean="0"/>
-              <a:t>2022-07-04</a:t>
+              <a:t>2022-07-05</a:t>
             </a:fld>
             <a:endParaRPr lang="ko-KR" altLang="en-US"/>
           </a:p>
@@ -6930,7 +7086,7 @@
           <a:p>
             <a:fld id="{277D7F95-CE32-49E6-A85D-215901CED3FD}" type="datetime1">
               <a:rPr lang="ko-KR" altLang="en-US" smtClean="0"/>
-              <a:t>2022-07-04</a:t>
+              <a:t>2022-07-05</a:t>
             </a:fld>
             <a:endParaRPr lang="ko-KR" altLang="en-US"/>
           </a:p>
@@ -7218,7 +7374,7 @@
           <a:p>
             <a:fld id="{751A5A15-2289-4AF1-BC89-0248F7E37640}" type="datetime1">
               <a:rPr lang="ko-KR" altLang="en-US" smtClean="0"/>
-              <a:t>2022-07-04</a:t>
+              <a:t>2022-07-05</a:t>
             </a:fld>
             <a:endParaRPr lang="ko-KR" altLang="en-US"/>
           </a:p>
@@ -7459,7 +7615,7 @@
           <a:p>
             <a:fld id="{5ED79C6E-3C8E-4743-9D90-32AB9131B595}" type="datetime1">
               <a:rPr lang="ko-KR" altLang="en-US" smtClean="0"/>
-              <a:t>2022-07-04</a:t>
+              <a:t>2022-07-05</a:t>
             </a:fld>
             <a:endParaRPr lang="ko-KR" altLang="en-US"/>
           </a:p>
@@ -23512,7 +23668,7 @@
                 <a:latin typeface="Rix모던고딕 B" panose="02020603020101020101" pitchFamily="18" charset="-127"/>
                 <a:ea typeface="Rix모던고딕 B" panose="02020603020101020101" pitchFamily="18" charset="-127"/>
               </a:rPr>
-              <a:t>소제목</a:t>
+              <a:t>게임 시간 분석</a:t>
             </a:r>
           </a:p>
         </p:txBody>
@@ -24167,8 +24323,15 @@
                 <a:latin typeface="Rix모던고딕 B" panose="02020603020101020101" pitchFamily="18" charset="-127"/>
                 <a:ea typeface="Rix모던고딕 B" panose="02020603020101020101" pitchFamily="18" charset="-127"/>
               </a:rPr>
-              <a:t>소제목</a:t>
-            </a:r>
+              <a:t>포지션 분석</a:t>
+            </a:r>
+            <a:endParaRPr lang="en-US" altLang="ko-KR" sz="2400" spc="60" dirty="0">
+              <a:solidFill>
+                <a:schemeClr val="bg1"/>
+              </a:solidFill>
+              <a:latin typeface="Rix모던고딕 B" panose="02020603020101020101" pitchFamily="18" charset="-127"/>
+              <a:ea typeface="Rix모던고딕 B" panose="02020603020101020101" pitchFamily="18" charset="-127"/>
+            </a:endParaRPr>
           </a:p>
         </p:txBody>
       </p:sp>
@@ -24496,6 +24659,997 @@
           </a:fontRef>
         </p:style>
       </p:cxnSp>
+      <p:grpSp>
+        <p:nvGrpSpPr>
+          <p:cNvPr id="3" name="그룹 2">
+            <a:extLst>
+              <a:ext uri="{FF2B5EF4-FFF2-40B4-BE49-F238E27FC236}">
+                <a16:creationId xmlns:a16="http://schemas.microsoft.com/office/drawing/2014/main" id="{94739883-0B16-4B79-8B5B-244BAC389ECD}"/>
+              </a:ext>
+            </a:extLst>
+          </p:cNvPr>
+          <p:cNvGrpSpPr/>
+          <p:nvPr/>
+        </p:nvGrpSpPr>
+        <p:grpSpPr>
+          <a:xfrm>
+            <a:off x="725936" y="1186834"/>
+            <a:ext cx="4181475" cy="4940693"/>
+            <a:chOff x="7319962" y="2208471"/>
+            <a:chExt cx="4181475" cy="2795568"/>
+          </a:xfrm>
+        </p:grpSpPr>
+        <p:pic>
+          <p:nvPicPr>
+            <p:cNvPr id="19" name="Picture 18" descr="서머필드, 여자, 소녀, 선셋, 황혼, 여름, 분야, 머리, 갈색, 모델, 관능적인, 여성, 유행">
+              <a:extLst>
+                <a:ext uri="{FF2B5EF4-FFF2-40B4-BE49-F238E27FC236}">
+                  <a16:creationId xmlns:a16="http://schemas.microsoft.com/office/drawing/2014/main" id="{37F4F87B-7659-4D8F-8680-B89D5B90083B}"/>
+                </a:ext>
+              </a:extLst>
+            </p:cNvPr>
+            <p:cNvPicPr>
+              <a:picLocks noChangeAspect="1" noChangeArrowheads="1"/>
+            </p:cNvPicPr>
+            <p:nvPr/>
+          </p:nvPicPr>
+          <p:blipFill>
+            <a:blip r:embed="rId3">
+              <a:extLst>
+                <a:ext uri="{28A0092B-C50C-407E-A947-70E740481C1C}">
+                  <a14:useLocalDpi xmlns:a14="http://schemas.microsoft.com/office/drawing/2010/main" val="0"/>
+                </a:ext>
+              </a:extLst>
+            </a:blip>
+            <a:srcRect/>
+            <a:stretch>
+              <a:fillRect/>
+            </a:stretch>
+          </p:blipFill>
+          <p:spPr bwMode="auto">
+            <a:xfrm>
+              <a:off x="7470492" y="2315959"/>
+              <a:ext cx="3882963" cy="2576508"/>
+            </a:xfrm>
+            <a:prstGeom prst="rect">
+              <a:avLst/>
+            </a:prstGeom>
+            <a:noFill/>
+            <a:extLst>
+              <a:ext uri="{909E8E84-426E-40DD-AFC4-6F175D3DCCD1}">
+                <a14:hiddenFill xmlns:a14="http://schemas.microsoft.com/office/drawing/2010/main">
+                  <a:solidFill>
+                    <a:srgbClr val="FFFFFF"/>
+                  </a:solidFill>
+                </a14:hiddenFill>
+              </a:ext>
+            </a:extLst>
+          </p:spPr>
+        </p:pic>
+        <p:grpSp>
+          <p:nvGrpSpPr>
+            <p:cNvPr id="16" name="그룹 15">
+              <a:extLst>
+                <a:ext uri="{FF2B5EF4-FFF2-40B4-BE49-F238E27FC236}">
+                  <a16:creationId xmlns:a16="http://schemas.microsoft.com/office/drawing/2014/main" id="{B00B405D-E5E5-479D-9DD1-5ABD33F74BBC}"/>
+                </a:ext>
+              </a:extLst>
+            </p:cNvPr>
+            <p:cNvGrpSpPr/>
+            <p:nvPr/>
+          </p:nvGrpSpPr>
+          <p:grpSpPr>
+            <a:xfrm>
+              <a:off x="7319962" y="2208471"/>
+              <a:ext cx="4181475" cy="2795568"/>
+              <a:chOff x="1069181" y="2069311"/>
+              <a:chExt cx="3340518" cy="3333741"/>
+            </a:xfrm>
+          </p:grpSpPr>
+          <p:sp>
+            <p:nvSpPr>
+              <p:cNvPr id="14" name="직사각형 13">
+                <a:extLst>
+                  <a:ext uri="{FF2B5EF4-FFF2-40B4-BE49-F238E27FC236}">
+                    <a16:creationId xmlns:a16="http://schemas.microsoft.com/office/drawing/2014/main" id="{F3419BE7-B1AE-4E34-A3AB-49CB39270D62}"/>
+                  </a:ext>
+                </a:extLst>
+              </p:cNvPr>
+              <p:cNvSpPr/>
+              <p:nvPr/>
+            </p:nvSpPr>
+            <p:spPr>
+              <a:xfrm>
+                <a:off x="1069181" y="2069311"/>
+                <a:ext cx="3219446" cy="3219446"/>
+              </a:xfrm>
+              <a:prstGeom prst="rect">
+                <a:avLst/>
+              </a:prstGeom>
+              <a:noFill/>
+              <a:ln>
+                <a:solidFill>
+                  <a:srgbClr val="936E37"/>
+                </a:solidFill>
+              </a:ln>
+            </p:spPr>
+            <p:style>
+              <a:lnRef idx="2">
+                <a:schemeClr val="accent1">
+                  <a:shade val="50000"/>
+                </a:schemeClr>
+              </a:lnRef>
+              <a:fillRef idx="1">
+                <a:schemeClr val="accent1"/>
+              </a:fillRef>
+              <a:effectRef idx="0">
+                <a:schemeClr val="accent1"/>
+              </a:effectRef>
+              <a:fontRef idx="minor">
+                <a:schemeClr val="lt1"/>
+              </a:fontRef>
+            </p:style>
+            <p:txBody>
+              <a:bodyPr rtlCol="0" anchor="ctr"/>
+              <a:lstStyle/>
+              <a:p>
+                <a:pPr marL="0" marR="0" lvl="0" indent="0" algn="ctr" defTabSz="914400" rtl="0" eaLnBrk="1" fontAlgn="auto" latinLnBrk="1" hangingPunct="1">
+                  <a:lnSpc>
+                    <a:spcPct val="100000"/>
+                  </a:lnSpc>
+                  <a:spcBef>
+                    <a:spcPts val="0"/>
+                  </a:spcBef>
+                  <a:spcAft>
+                    <a:spcPts val="0"/>
+                  </a:spcAft>
+                  <a:buClrTx/>
+                  <a:buSzTx/>
+                  <a:buFontTx/>
+                  <a:buNone/>
+                  <a:tabLst/>
+                  <a:defRPr/>
+                </a:pPr>
+                <a:endParaRPr kumimoji="0" lang="ko-KR" altLang="en-US" sz="1800" b="0" i="0" u="none" strike="noStrike" kern="1200" cap="none" spc="0" normalizeH="0" baseline="0" noProof="0">
+                  <a:ln>
+                    <a:noFill/>
+                  </a:ln>
+                  <a:solidFill>
+                    <a:prstClr val="white"/>
+                  </a:solidFill>
+                  <a:effectLst/>
+                  <a:uLnTx/>
+                  <a:uFillTx/>
+                  <a:latin typeface="맑은 고딕" panose="020F0502020204030204"/>
+                  <a:ea typeface="맑은 고딕" panose="020B0503020000020004" pitchFamily="50" charset="-127"/>
+                  <a:cs typeface="+mn-cs"/>
+                </a:endParaRPr>
+              </a:p>
+            </p:txBody>
+          </p:sp>
+          <p:sp>
+            <p:nvSpPr>
+              <p:cNvPr id="27" name="직사각형 26">
+                <a:extLst>
+                  <a:ext uri="{FF2B5EF4-FFF2-40B4-BE49-F238E27FC236}">
+                    <a16:creationId xmlns:a16="http://schemas.microsoft.com/office/drawing/2014/main" id="{7346F257-D0BC-4A73-AD7B-EDBD75E898A7}"/>
+                  </a:ext>
+                </a:extLst>
+              </p:cNvPr>
+              <p:cNvSpPr/>
+              <p:nvPr/>
+            </p:nvSpPr>
+            <p:spPr>
+              <a:xfrm>
+                <a:off x="1190253" y="2183606"/>
+                <a:ext cx="3219446" cy="3219446"/>
+              </a:xfrm>
+              <a:prstGeom prst="rect">
+                <a:avLst/>
+              </a:prstGeom>
+              <a:noFill/>
+              <a:ln>
+                <a:solidFill>
+                  <a:srgbClr val="936E37"/>
+                </a:solidFill>
+              </a:ln>
+            </p:spPr>
+            <p:style>
+              <a:lnRef idx="2">
+                <a:schemeClr val="accent1">
+                  <a:shade val="50000"/>
+                </a:schemeClr>
+              </a:lnRef>
+              <a:fillRef idx="1">
+                <a:schemeClr val="accent1"/>
+              </a:fillRef>
+              <a:effectRef idx="0">
+                <a:schemeClr val="accent1"/>
+              </a:effectRef>
+              <a:fontRef idx="minor">
+                <a:schemeClr val="lt1"/>
+              </a:fontRef>
+            </p:style>
+            <p:txBody>
+              <a:bodyPr rtlCol="0" anchor="ctr"/>
+              <a:lstStyle/>
+              <a:p>
+                <a:pPr marL="0" marR="0" lvl="0" indent="0" algn="ctr" defTabSz="914400" rtl="0" eaLnBrk="1" fontAlgn="auto" latinLnBrk="1" hangingPunct="1">
+                  <a:lnSpc>
+                    <a:spcPct val="100000"/>
+                  </a:lnSpc>
+                  <a:spcBef>
+                    <a:spcPts val="0"/>
+                  </a:spcBef>
+                  <a:spcAft>
+                    <a:spcPts val="0"/>
+                  </a:spcAft>
+                  <a:buClrTx/>
+                  <a:buSzTx/>
+                  <a:buFontTx/>
+                  <a:buNone/>
+                  <a:tabLst/>
+                  <a:defRPr/>
+                </a:pPr>
+                <a:endParaRPr kumimoji="0" lang="ko-KR" altLang="en-US" sz="1800" b="0" i="0" u="none" strike="noStrike" kern="1200" cap="none" spc="0" normalizeH="0" baseline="0" noProof="0">
+                  <a:ln>
+                    <a:noFill/>
+                  </a:ln>
+                  <a:solidFill>
+                    <a:prstClr val="white"/>
+                  </a:solidFill>
+                  <a:effectLst/>
+                  <a:uLnTx/>
+                  <a:uFillTx/>
+                  <a:latin typeface="맑은 고딕" panose="020F0502020204030204"/>
+                  <a:ea typeface="맑은 고딕" panose="020B0503020000020004" pitchFamily="50" charset="-127"/>
+                  <a:cs typeface="+mn-cs"/>
+                </a:endParaRPr>
+              </a:p>
+            </p:txBody>
+          </p:sp>
+        </p:grpSp>
+      </p:grpSp>
+      <p:sp>
+        <p:nvSpPr>
+          <p:cNvPr id="15" name="TextBox 14">
+            <a:extLst>
+              <a:ext uri="{FF2B5EF4-FFF2-40B4-BE49-F238E27FC236}">
+                <a16:creationId xmlns:a16="http://schemas.microsoft.com/office/drawing/2014/main" id="{8FECDC50-1214-4DED-B8D5-7F854DD51EAA}"/>
+              </a:ext>
+            </a:extLst>
+          </p:cNvPr>
+          <p:cNvSpPr txBox="1"/>
+          <p:nvPr/>
+        </p:nvSpPr>
+        <p:spPr>
+          <a:xfrm>
+            <a:off x="5276482" y="1192135"/>
+            <a:ext cx="5454580" cy="369332"/>
+          </a:xfrm>
+          <a:prstGeom prst="rect">
+            <a:avLst/>
+          </a:prstGeom>
+          <a:noFill/>
+        </p:spPr>
+        <p:txBody>
+          <a:bodyPr wrap="square" rtlCol="0">
+            <a:spAutoFit/>
+          </a:bodyPr>
+          <a:lstStyle/>
+          <a:p>
+            <a:pPr marL="0" marR="0" lvl="0" indent="0" algn="l" defTabSz="914400" rtl="0" eaLnBrk="1" fontAlgn="auto" latinLnBrk="1" hangingPunct="1">
+              <a:lnSpc>
+                <a:spcPct val="100000"/>
+              </a:lnSpc>
+              <a:spcBef>
+                <a:spcPts val="0"/>
+              </a:spcBef>
+              <a:spcAft>
+                <a:spcPts val="0"/>
+              </a:spcAft>
+              <a:buClrTx/>
+              <a:buSzTx/>
+              <a:buFontTx/>
+              <a:buNone/>
+              <a:tabLst/>
+              <a:defRPr/>
+            </a:pPr>
+            <a:r>
+              <a:rPr kumimoji="0" lang="ko-KR" altLang="en-US" sz="1800" b="0" i="0" u="none" strike="noStrike" kern="1200" cap="none" spc="0" normalizeH="0" baseline="0" noProof="0" dirty="0">
+                <a:ln>
+                  <a:noFill/>
+                </a:ln>
+                <a:solidFill>
+                  <a:prstClr val="white"/>
+                </a:solidFill>
+                <a:effectLst/>
+                <a:uLnTx/>
+                <a:uFillTx/>
+                <a:latin typeface="맑은 고딕" panose="020F0502020204030204"/>
+                <a:ea typeface="맑은 고딕" panose="020B0503020000020004" pitchFamily="50" charset="-127"/>
+                <a:cs typeface="+mn-cs"/>
+              </a:rPr>
+              <a:t>게임 챔피언</a:t>
+            </a:r>
+            <a:r>
+              <a:rPr kumimoji="0" lang="en-US" altLang="ko-KR" sz="1800" b="0" i="0" u="none" strike="noStrike" kern="1200" cap="none" spc="0" normalizeH="0" baseline="0" noProof="0" dirty="0">
+                <a:ln>
+                  <a:noFill/>
+                </a:ln>
+                <a:solidFill>
+                  <a:prstClr val="white"/>
+                </a:solidFill>
+                <a:effectLst/>
+                <a:uLnTx/>
+                <a:uFillTx/>
+                <a:latin typeface="맑은 고딕" panose="020F0502020204030204"/>
+                <a:ea typeface="맑은 고딕" panose="020B0503020000020004" pitchFamily="50" charset="-127"/>
+                <a:cs typeface="+mn-cs"/>
+              </a:rPr>
+              <a:t>, </a:t>
+            </a:r>
+            <a:r>
+              <a:rPr kumimoji="0" lang="ko-KR" altLang="en-US" sz="1800" b="0" i="0" u="none" strike="noStrike" kern="1200" cap="none" spc="0" normalizeH="0" baseline="0" noProof="0" dirty="0">
+                <a:ln>
+                  <a:noFill/>
+                </a:ln>
+                <a:solidFill>
+                  <a:prstClr val="white"/>
+                </a:solidFill>
+                <a:effectLst/>
+                <a:uLnTx/>
+                <a:uFillTx/>
+                <a:latin typeface="맑은 고딕" panose="020F0502020204030204"/>
+                <a:ea typeface="맑은 고딕" panose="020B0503020000020004" pitchFamily="50" charset="-127"/>
+                <a:cs typeface="+mn-cs"/>
+              </a:rPr>
+              <a:t>포지션에 대한 분석</a:t>
+            </a:r>
+            <a:endParaRPr kumimoji="0" lang="en-US" altLang="ko-KR" sz="1800" b="0" i="0" u="none" strike="noStrike" kern="1200" cap="none" spc="0" normalizeH="0" baseline="0" noProof="0" dirty="0">
+              <a:ln>
+                <a:noFill/>
+              </a:ln>
+              <a:solidFill>
+                <a:prstClr val="white"/>
+              </a:solidFill>
+              <a:effectLst/>
+              <a:uLnTx/>
+              <a:uFillTx/>
+              <a:latin typeface="맑은 고딕" panose="020F0502020204030204"/>
+              <a:ea typeface="맑은 고딕" panose="020B0503020000020004" pitchFamily="50" charset="-127"/>
+              <a:cs typeface="+mn-cs"/>
+            </a:endParaRPr>
+          </a:p>
+        </p:txBody>
+      </p:sp>
+      <p:sp>
+        <p:nvSpPr>
+          <p:cNvPr id="17" name="TextBox 16">
+            <a:extLst>
+              <a:ext uri="{FF2B5EF4-FFF2-40B4-BE49-F238E27FC236}">
+                <a16:creationId xmlns:a16="http://schemas.microsoft.com/office/drawing/2014/main" id="{8B94EF81-0084-AA78-47B9-2B47067991B2}"/>
+              </a:ext>
+            </a:extLst>
+          </p:cNvPr>
+          <p:cNvSpPr txBox="1"/>
+          <p:nvPr/>
+        </p:nvSpPr>
+        <p:spPr>
+          <a:xfrm>
+            <a:off x="1571760" y="1561467"/>
+            <a:ext cx="2734158" cy="646331"/>
+          </a:xfrm>
+          <a:prstGeom prst="rect">
+            <a:avLst/>
+          </a:prstGeom>
+          <a:noFill/>
+        </p:spPr>
+        <p:txBody>
+          <a:bodyPr wrap="square" rtlCol="0">
+            <a:spAutoFit/>
+          </a:bodyPr>
+          <a:lstStyle/>
+          <a:p>
+            <a:pPr marL="0" marR="0" lvl="0" indent="0" algn="l" defTabSz="914400" rtl="0" eaLnBrk="1" fontAlgn="auto" latinLnBrk="1" hangingPunct="1">
+              <a:lnSpc>
+                <a:spcPct val="100000"/>
+              </a:lnSpc>
+              <a:spcBef>
+                <a:spcPts val="0"/>
+              </a:spcBef>
+              <a:spcAft>
+                <a:spcPts val="0"/>
+              </a:spcAft>
+              <a:buClrTx/>
+              <a:buSzTx/>
+              <a:buFontTx/>
+              <a:buNone/>
+              <a:tabLst/>
+              <a:defRPr/>
+            </a:pPr>
+            <a:r>
+              <a:rPr kumimoji="0" lang="ko-KR" altLang="en-US" sz="1800" b="0" i="0" u="none" strike="noStrike" kern="1200" cap="none" spc="0" normalizeH="0" baseline="0" noProof="0" dirty="0">
+                <a:ln>
+                  <a:noFill/>
+                </a:ln>
+                <a:solidFill>
+                  <a:prstClr val="black"/>
+                </a:solidFill>
+                <a:effectLst/>
+                <a:uLnTx/>
+                <a:uFillTx/>
+                <a:latin typeface="맑은 고딕" panose="020F0502020204030204"/>
+                <a:ea typeface="맑은 고딕" panose="020B0503020000020004" pitchFamily="50" charset="-127"/>
+                <a:cs typeface="+mn-cs"/>
+              </a:rPr>
+              <a:t>게임 시간에 대한 분석 코멘트</a:t>
+            </a:r>
+            <a:endParaRPr kumimoji="0" lang="en-US" altLang="ko-KR" sz="1800" b="0" i="0" u="none" strike="noStrike" kern="1200" cap="none" spc="0" normalizeH="0" baseline="0" noProof="0" dirty="0">
+              <a:ln>
+                <a:noFill/>
+              </a:ln>
+              <a:solidFill>
+                <a:prstClr val="black"/>
+              </a:solidFill>
+              <a:effectLst/>
+              <a:uLnTx/>
+              <a:uFillTx/>
+              <a:latin typeface="맑은 고딕" panose="020F0502020204030204"/>
+              <a:ea typeface="맑은 고딕" panose="020B0503020000020004" pitchFamily="50" charset="-127"/>
+              <a:cs typeface="+mn-cs"/>
+            </a:endParaRPr>
+          </a:p>
+        </p:txBody>
+      </p:sp>
+      <p:sp>
+        <p:nvSpPr>
+          <p:cNvPr id="21" name="TextBox 20">
+            <a:extLst>
+              <a:ext uri="{FF2B5EF4-FFF2-40B4-BE49-F238E27FC236}">
+                <a16:creationId xmlns:a16="http://schemas.microsoft.com/office/drawing/2014/main" id="{DE7A5595-9A16-9F7A-7FCB-CC607ED3D989}"/>
+              </a:ext>
+            </a:extLst>
+          </p:cNvPr>
+          <p:cNvSpPr txBox="1"/>
+          <p:nvPr/>
+        </p:nvSpPr>
+        <p:spPr>
+          <a:xfrm>
+            <a:off x="4878301" y="241331"/>
+            <a:ext cx="2734158" cy="461665"/>
+          </a:xfrm>
+          <a:prstGeom prst="rect">
+            <a:avLst/>
+          </a:prstGeom>
+          <a:noFill/>
+        </p:spPr>
+        <p:txBody>
+          <a:bodyPr wrap="square" rtlCol="0">
+            <a:spAutoFit/>
+          </a:bodyPr>
+          <a:lstStyle/>
+          <a:p>
+            <a:pPr marL="0" marR="0" lvl="0" indent="0" algn="ctr" defTabSz="914400" rtl="0" eaLnBrk="1" fontAlgn="auto" latinLnBrk="1" hangingPunct="1">
+              <a:lnSpc>
+                <a:spcPct val="100000"/>
+              </a:lnSpc>
+              <a:spcBef>
+                <a:spcPts val="0"/>
+              </a:spcBef>
+              <a:spcAft>
+                <a:spcPts val="0"/>
+              </a:spcAft>
+              <a:buClrTx/>
+              <a:buSzTx/>
+              <a:buFontTx/>
+              <a:buNone/>
+              <a:tabLst/>
+              <a:defRPr/>
+            </a:pPr>
+            <a:r>
+              <a:rPr kumimoji="0" lang="ko-KR" altLang="en-US" sz="2400" b="0" i="0" u="none" strike="noStrike" kern="1200" cap="none" spc="60" normalizeH="0" baseline="0" noProof="0" dirty="0">
+                <a:ln>
+                  <a:noFill/>
+                </a:ln>
+                <a:solidFill>
+                  <a:prstClr val="white"/>
+                </a:solidFill>
+                <a:effectLst/>
+                <a:uLnTx/>
+                <a:uFillTx/>
+                <a:latin typeface="Rix모던고딕 B" panose="02020603020101020101" pitchFamily="18" charset="-127"/>
+                <a:ea typeface="Rix모던고딕 B" panose="02020603020101020101" pitchFamily="18" charset="-127"/>
+                <a:cs typeface="+mn-cs"/>
+              </a:rPr>
+              <a:t>포지션 분석</a:t>
+            </a:r>
+            <a:endParaRPr kumimoji="0" lang="en-US" altLang="ko-KR" sz="2400" b="0" i="0" u="none" strike="noStrike" kern="1200" cap="none" spc="60" normalizeH="0" baseline="0" noProof="0" dirty="0">
+              <a:ln>
+                <a:noFill/>
+              </a:ln>
+              <a:solidFill>
+                <a:prstClr val="white"/>
+              </a:solidFill>
+              <a:effectLst/>
+              <a:uLnTx/>
+              <a:uFillTx/>
+              <a:latin typeface="Rix모던고딕 B" panose="02020603020101020101" pitchFamily="18" charset="-127"/>
+              <a:ea typeface="Rix모던고딕 B" panose="02020603020101020101" pitchFamily="18" charset="-127"/>
+              <a:cs typeface="+mn-cs"/>
+            </a:endParaRPr>
+          </a:p>
+        </p:txBody>
+      </p:sp>
+      <p:grpSp>
+        <p:nvGrpSpPr>
+          <p:cNvPr id="18" name="그룹 17">
+            <a:extLst>
+              <a:ext uri="{FF2B5EF4-FFF2-40B4-BE49-F238E27FC236}">
+                <a16:creationId xmlns:a16="http://schemas.microsoft.com/office/drawing/2014/main" id="{B9C00CB4-086D-C2E1-47BB-B14144EF3A3B}"/>
+              </a:ext>
+            </a:extLst>
+          </p:cNvPr>
+          <p:cNvGrpSpPr/>
+          <p:nvPr/>
+        </p:nvGrpSpPr>
+        <p:grpSpPr>
+          <a:xfrm>
+            <a:off x="196182" y="156027"/>
+            <a:ext cx="3288411" cy="529754"/>
+            <a:chOff x="196182" y="156027"/>
+            <a:chExt cx="3288411" cy="529754"/>
+          </a:xfrm>
+        </p:grpSpPr>
+        <p:sp>
+          <p:nvSpPr>
+            <p:cNvPr id="23" name="직사각형 22">
+              <a:extLst>
+                <a:ext uri="{FF2B5EF4-FFF2-40B4-BE49-F238E27FC236}">
+                  <a16:creationId xmlns:a16="http://schemas.microsoft.com/office/drawing/2014/main" id="{CF779538-6341-A66D-4EB4-D64699E0D7BD}"/>
+                </a:ext>
+              </a:extLst>
+            </p:cNvPr>
+            <p:cNvSpPr/>
+            <p:nvPr/>
+          </p:nvSpPr>
+          <p:spPr>
+            <a:xfrm>
+              <a:off x="510708" y="211919"/>
+              <a:ext cx="2973884" cy="417967"/>
+            </a:xfrm>
+            <a:prstGeom prst="rect">
+              <a:avLst/>
+            </a:prstGeom>
+            <a:noFill/>
+            <a:ln w="3175">
+              <a:solidFill>
+                <a:srgbClr val="936E37"/>
+              </a:solidFill>
+            </a:ln>
+          </p:spPr>
+          <p:style>
+            <a:lnRef idx="2">
+              <a:schemeClr val="accent1">
+                <a:shade val="50000"/>
+              </a:schemeClr>
+            </a:lnRef>
+            <a:fillRef idx="1">
+              <a:schemeClr val="accent1"/>
+            </a:fillRef>
+            <a:effectRef idx="0">
+              <a:schemeClr val="accent1"/>
+            </a:effectRef>
+            <a:fontRef idx="minor">
+              <a:schemeClr val="lt1"/>
+            </a:fontRef>
+          </p:style>
+          <p:txBody>
+            <a:bodyPr rtlCol="0" anchor="ctr"/>
+            <a:lstStyle/>
+            <a:p>
+              <a:pPr marL="0" marR="0" lvl="0" indent="0" algn="ctr" defTabSz="914400" rtl="0" eaLnBrk="1" fontAlgn="auto" latinLnBrk="1" hangingPunct="1">
+                <a:lnSpc>
+                  <a:spcPct val="100000"/>
+                </a:lnSpc>
+                <a:spcBef>
+                  <a:spcPts val="0"/>
+                </a:spcBef>
+                <a:spcAft>
+                  <a:spcPts val="0"/>
+                </a:spcAft>
+                <a:buClrTx/>
+                <a:buSzTx/>
+                <a:buFontTx/>
+                <a:buNone/>
+                <a:tabLst/>
+                <a:defRPr/>
+              </a:pPr>
+              <a:endParaRPr kumimoji="0" lang="ko-KR" altLang="en-US" sz="1800" b="0" i="0" u="none" strike="noStrike" kern="1200" cap="none" spc="0" normalizeH="0" baseline="0" noProof="0">
+                <a:ln>
+                  <a:noFill/>
+                </a:ln>
+                <a:solidFill>
+                  <a:prstClr val="white"/>
+                </a:solidFill>
+                <a:effectLst/>
+                <a:uLnTx/>
+                <a:uFillTx/>
+                <a:latin typeface="맑은 고딕" panose="020F0502020204030204"/>
+                <a:ea typeface="맑은 고딕" panose="020B0503020000020004" pitchFamily="50" charset="-127"/>
+                <a:cs typeface="+mn-cs"/>
+              </a:endParaRPr>
+            </a:p>
+          </p:txBody>
+        </p:sp>
+        <p:sp>
+          <p:nvSpPr>
+            <p:cNvPr id="24" name="직사각형 23">
+              <a:extLst>
+                <a:ext uri="{FF2B5EF4-FFF2-40B4-BE49-F238E27FC236}">
+                  <a16:creationId xmlns:a16="http://schemas.microsoft.com/office/drawing/2014/main" id="{428648DE-07C3-25AB-2C8E-6A9D90DB3038}"/>
+                </a:ext>
+              </a:extLst>
+            </p:cNvPr>
+            <p:cNvSpPr/>
+            <p:nvPr/>
+          </p:nvSpPr>
+          <p:spPr>
+            <a:xfrm>
+              <a:off x="522019" y="236200"/>
+              <a:ext cx="2962573" cy="374663"/>
+            </a:xfrm>
+            <a:prstGeom prst="rect">
+              <a:avLst/>
+            </a:prstGeom>
+            <a:noFill/>
+            <a:ln w="9525">
+              <a:solidFill>
+                <a:srgbClr val="09A6A5"/>
+              </a:solidFill>
+            </a:ln>
+          </p:spPr>
+          <p:style>
+            <a:lnRef idx="2">
+              <a:schemeClr val="accent1">
+                <a:shade val="50000"/>
+              </a:schemeClr>
+            </a:lnRef>
+            <a:fillRef idx="1">
+              <a:schemeClr val="accent1"/>
+            </a:fillRef>
+            <a:effectRef idx="0">
+              <a:schemeClr val="accent1"/>
+            </a:effectRef>
+            <a:fontRef idx="minor">
+              <a:schemeClr val="lt1"/>
+            </a:fontRef>
+          </p:style>
+          <p:txBody>
+            <a:bodyPr rtlCol="0" anchor="ctr"/>
+            <a:lstStyle/>
+            <a:p>
+              <a:pPr marL="0" marR="0" lvl="0" indent="0" algn="ctr" defTabSz="914400" rtl="0" eaLnBrk="1" fontAlgn="auto" latinLnBrk="1" hangingPunct="1">
+                <a:lnSpc>
+                  <a:spcPct val="100000"/>
+                </a:lnSpc>
+                <a:spcBef>
+                  <a:spcPts val="0"/>
+                </a:spcBef>
+                <a:spcAft>
+                  <a:spcPts val="0"/>
+                </a:spcAft>
+                <a:buClrTx/>
+                <a:buSzTx/>
+                <a:buFontTx/>
+                <a:buNone/>
+                <a:tabLst/>
+                <a:defRPr/>
+              </a:pPr>
+              <a:endParaRPr kumimoji="0" lang="ko-KR" altLang="en-US" sz="1800" b="0" i="0" u="none" strike="noStrike" kern="1200" cap="none" spc="0" normalizeH="0" baseline="0" noProof="0" dirty="0">
+                <a:ln>
+                  <a:noFill/>
+                </a:ln>
+                <a:solidFill>
+                  <a:prstClr val="white"/>
+                </a:solidFill>
+                <a:effectLst/>
+                <a:uLnTx/>
+                <a:uFillTx/>
+                <a:latin typeface="맑은 고딕" panose="020F0502020204030204"/>
+                <a:ea typeface="맑은 고딕" panose="020B0503020000020004" pitchFamily="50" charset="-127"/>
+                <a:cs typeface="+mn-cs"/>
+              </a:endParaRPr>
+            </a:p>
+          </p:txBody>
+        </p:sp>
+        <p:pic>
+          <p:nvPicPr>
+            <p:cNvPr id="25" name="Picture 14" descr="LoL.py's documentation! — LoL.py documentation">
+              <a:extLst>
+                <a:ext uri="{FF2B5EF4-FFF2-40B4-BE49-F238E27FC236}">
+                  <a16:creationId xmlns:a16="http://schemas.microsoft.com/office/drawing/2014/main" id="{C0B3650C-820A-ECD3-AC00-B7A343394FA4}"/>
+                </a:ext>
+              </a:extLst>
+            </p:cNvPr>
+            <p:cNvPicPr>
+              <a:picLocks noChangeAspect="1" noChangeArrowheads="1"/>
+            </p:cNvPicPr>
+            <p:nvPr/>
+          </p:nvPicPr>
+          <p:blipFill>
+            <a:blip r:embed="rId4">
+              <a:extLst>
+                <a:ext uri="{28A0092B-C50C-407E-A947-70E740481C1C}">
+                  <a14:useLocalDpi xmlns:a14="http://schemas.microsoft.com/office/drawing/2010/main" val="0"/>
+                </a:ext>
+              </a:extLst>
+            </a:blip>
+            <a:srcRect/>
+            <a:stretch>
+              <a:fillRect/>
+            </a:stretch>
+          </p:blipFill>
+          <p:spPr bwMode="auto">
+            <a:xfrm>
+              <a:off x="196182" y="156027"/>
+              <a:ext cx="629057" cy="529754"/>
+            </a:xfrm>
+            <a:prstGeom prst="rect">
+              <a:avLst/>
+            </a:prstGeom>
+            <a:noFill/>
+            <a:extLst>
+              <a:ext uri="{909E8E84-426E-40DD-AFC4-6F175D3DCCD1}">
+                <a14:hiddenFill xmlns:a14="http://schemas.microsoft.com/office/drawing/2010/main">
+                  <a:solidFill>
+                    <a:srgbClr val="FFFFFF"/>
+                  </a:solidFill>
+                </a14:hiddenFill>
+              </a:ext>
+            </a:extLst>
+          </p:spPr>
+        </p:pic>
+        <p:sp>
+          <p:nvSpPr>
+            <p:cNvPr id="26" name="TextBox 25">
+              <a:extLst>
+                <a:ext uri="{FF2B5EF4-FFF2-40B4-BE49-F238E27FC236}">
+                  <a16:creationId xmlns:a16="http://schemas.microsoft.com/office/drawing/2014/main" id="{801CE17A-D3DD-8E68-94F2-C4206454EDFC}"/>
+                </a:ext>
+              </a:extLst>
+            </p:cNvPr>
+            <p:cNvSpPr txBox="1"/>
+            <p:nvPr/>
+          </p:nvSpPr>
+          <p:spPr>
+            <a:xfrm>
+              <a:off x="750435" y="282402"/>
+              <a:ext cx="2734158" cy="246221"/>
+            </a:xfrm>
+            <a:prstGeom prst="rect">
+              <a:avLst/>
+            </a:prstGeom>
+            <a:noFill/>
+          </p:spPr>
+          <p:txBody>
+            <a:bodyPr wrap="square" rtlCol="0">
+              <a:spAutoFit/>
+            </a:bodyPr>
+            <a:lstStyle/>
+            <a:p>
+              <a:pPr marL="0" marR="0" lvl="0" indent="0" algn="ctr" defTabSz="914400" rtl="0" eaLnBrk="1" fontAlgn="auto" latinLnBrk="1" hangingPunct="1">
+                <a:lnSpc>
+                  <a:spcPct val="100000"/>
+                </a:lnSpc>
+                <a:spcBef>
+                  <a:spcPts val="0"/>
+                </a:spcBef>
+                <a:spcAft>
+                  <a:spcPts val="0"/>
+                </a:spcAft>
+                <a:buClrTx/>
+                <a:buSzTx/>
+                <a:buFontTx/>
+                <a:buNone/>
+                <a:tabLst/>
+                <a:defRPr/>
+              </a:pPr>
+              <a:r>
+                <a:rPr kumimoji="0" lang="ko-KR" altLang="en-US" sz="1000" b="0" i="0" u="none" strike="noStrike" kern="1200" cap="none" spc="60" normalizeH="0" baseline="0" noProof="0" dirty="0">
+                  <a:ln>
+                    <a:noFill/>
+                  </a:ln>
+                  <a:solidFill>
+                    <a:prstClr val="white"/>
+                  </a:solidFill>
+                  <a:effectLst/>
+                  <a:uLnTx/>
+                  <a:uFillTx/>
+                  <a:latin typeface="Rix모던고딕 B" panose="02020603020101020101" pitchFamily="18" charset="-127"/>
+                  <a:ea typeface="Rix모던고딕 B" panose="02020603020101020101" pitchFamily="18" charset="-127"/>
+                  <a:cs typeface="+mn-cs"/>
+                </a:rPr>
+                <a:t>부적절한 언행이 게임에 미치는 영향 분석</a:t>
+              </a:r>
+            </a:p>
+          </p:txBody>
+        </p:sp>
+      </p:grpSp>
+      <p:sp>
+        <p:nvSpPr>
+          <p:cNvPr id="2" name="슬라이드 번호 개체 틀 1">
+            <a:extLst>
+              <a:ext uri="{FF2B5EF4-FFF2-40B4-BE49-F238E27FC236}">
+                <a16:creationId xmlns:a16="http://schemas.microsoft.com/office/drawing/2014/main" id="{F7C10622-61D1-84B6-2566-E7C5D17FD2FE}"/>
+              </a:ext>
+            </a:extLst>
+          </p:cNvPr>
+          <p:cNvSpPr>
+            <a:spLocks noGrp="1"/>
+          </p:cNvSpPr>
+          <p:nvPr>
+            <p:ph type="sldNum" sz="quarter" idx="12"/>
+          </p:nvPr>
+        </p:nvSpPr>
+        <p:spPr/>
+        <p:txBody>
+          <a:bodyPr/>
+          <a:lstStyle/>
+          <a:p>
+            <a:pPr marL="0" marR="0" lvl="0" indent="0" algn="r" defTabSz="914400" rtl="0" eaLnBrk="1" fontAlgn="auto" latinLnBrk="1" hangingPunct="1">
+              <a:lnSpc>
+                <a:spcPct val="100000"/>
+              </a:lnSpc>
+              <a:spcBef>
+                <a:spcPts val="0"/>
+              </a:spcBef>
+              <a:spcAft>
+                <a:spcPts val="0"/>
+              </a:spcAft>
+              <a:buClrTx/>
+              <a:buSzTx/>
+              <a:buFontTx/>
+              <a:buNone/>
+              <a:tabLst/>
+              <a:defRPr/>
+            </a:pPr>
+            <a:fld id="{81B9E4A2-CF16-4B90-85C9-8639DC9658EB}" type="slidenum">
+              <a:rPr kumimoji="0" lang="ko-KR" altLang="en-US" sz="1200" b="0" i="0" u="none" strike="noStrike" kern="1200" cap="none" spc="0" normalizeH="0" baseline="0" noProof="0" smtClean="0">
+                <a:ln>
+                  <a:noFill/>
+                </a:ln>
+                <a:solidFill>
+                  <a:prstClr val="black">
+                    <a:tint val="75000"/>
+                  </a:prstClr>
+                </a:solidFill>
+                <a:effectLst/>
+                <a:uLnTx/>
+                <a:uFillTx/>
+                <a:latin typeface="맑은 고딕" panose="020F0502020204030204"/>
+                <a:ea typeface="맑은 고딕" panose="020B0503020000020004" pitchFamily="50" charset="-127"/>
+                <a:cs typeface="+mn-cs"/>
+              </a:rPr>
+              <a:pPr marL="0" marR="0" lvl="0" indent="0" algn="r" defTabSz="914400" rtl="0" eaLnBrk="1" fontAlgn="auto" latinLnBrk="1" hangingPunct="1">
+                <a:lnSpc>
+                  <a:spcPct val="100000"/>
+                </a:lnSpc>
+                <a:spcBef>
+                  <a:spcPts val="0"/>
+                </a:spcBef>
+                <a:spcAft>
+                  <a:spcPts val="0"/>
+                </a:spcAft>
+                <a:buClrTx/>
+                <a:buSzTx/>
+                <a:buFontTx/>
+                <a:buNone/>
+                <a:tabLst/>
+                <a:defRPr/>
+              </a:pPr>
+              <a:t>14</a:t>
+            </a:fld>
+            <a:endParaRPr kumimoji="0" lang="ko-KR" altLang="en-US" sz="1200" b="0" i="0" u="none" strike="noStrike" kern="1200" cap="none" spc="0" normalizeH="0" baseline="0" noProof="0">
+              <a:ln>
+                <a:noFill/>
+              </a:ln>
+              <a:solidFill>
+                <a:prstClr val="black">
+                  <a:tint val="75000"/>
+                </a:prstClr>
+              </a:solidFill>
+              <a:effectLst/>
+              <a:uLnTx/>
+              <a:uFillTx/>
+              <a:latin typeface="맑은 고딕" panose="020F0502020204030204"/>
+              <a:ea typeface="맑은 고딕" panose="020B0503020000020004" pitchFamily="50" charset="-127"/>
+              <a:cs typeface="+mn-cs"/>
+            </a:endParaRPr>
+          </a:p>
+        </p:txBody>
+      </p:sp>
+    </p:spTree>
+    <p:extLst>
+      <p:ext uri="{BB962C8B-B14F-4D97-AF65-F5344CB8AC3E}">
+        <p14:creationId xmlns:p14="http://schemas.microsoft.com/office/powerpoint/2010/main" val="4124338544"/>
+      </p:ext>
+    </p:extLst>
+  </p:cSld>
+  <p:clrMapOvr>
+    <a:masterClrMapping/>
+  </p:clrMapOvr>
+</p:sld>
+</file>
+
+<file path=ppt/slides/slide15.xml><?xml version="1.0" encoding="utf-8"?>
+<p:sld xmlns:a="http://schemas.openxmlformats.org/drawingml/2006/main" xmlns:r="http://schemas.openxmlformats.org/officeDocument/2006/relationships" xmlns:p="http://schemas.openxmlformats.org/presentationml/2006/main">
+  <p:cSld>
+    <p:bg>
+      <p:bgPr>
+        <a:solidFill>
+          <a:srgbClr val="020D19"/>
+        </a:solidFill>
+        <a:effectLst/>
+      </p:bgPr>
+    </p:bg>
+    <p:spTree>
+      <p:nvGrpSpPr>
+        <p:cNvPr id="1" name=""/>
+        <p:cNvGrpSpPr/>
+        <p:nvPr/>
+      </p:nvGrpSpPr>
+      <p:grpSpPr>
+        <a:xfrm>
+          <a:off x="0" y="0"/>
+          <a:ext cx="0" cy="0"/>
+          <a:chOff x="0" y="0"/>
+          <a:chExt cx="0" cy="0"/>
+        </a:xfrm>
+      </p:grpSpPr>
+      <p:cxnSp>
+        <p:nvCxnSpPr>
+          <p:cNvPr id="5" name="직선 연결선 4">
+            <a:extLst>
+              <a:ext uri="{FF2B5EF4-FFF2-40B4-BE49-F238E27FC236}">
+                <a16:creationId xmlns:a16="http://schemas.microsoft.com/office/drawing/2014/main" id="{AC0A0747-7DD5-474D-AC98-5EF5BE440EC2}"/>
+              </a:ext>
+            </a:extLst>
+          </p:cNvPr>
+          <p:cNvCxnSpPr>
+            <a:cxnSpLocks/>
+          </p:cNvCxnSpPr>
+          <p:nvPr/>
+        </p:nvCxnSpPr>
+        <p:spPr>
+          <a:xfrm>
+            <a:off x="0" y="866814"/>
+            <a:ext cx="12192000" cy="0"/>
+          </a:xfrm>
+          <a:prstGeom prst="line">
+            <a:avLst/>
+          </a:prstGeom>
+          <a:ln>
+            <a:solidFill>
+              <a:srgbClr val="755827"/>
+            </a:solidFill>
+          </a:ln>
+        </p:spPr>
+        <p:style>
+          <a:lnRef idx="1">
+            <a:schemeClr val="accent1"/>
+          </a:lnRef>
+          <a:fillRef idx="0">
+            <a:schemeClr val="accent1"/>
+          </a:fillRef>
+          <a:effectRef idx="0">
+            <a:schemeClr val="accent1"/>
+          </a:effectRef>
+          <a:fontRef idx="minor">
+            <a:schemeClr val="tx1"/>
+          </a:fontRef>
+        </p:style>
+      </p:cxnSp>
       <p:sp>
         <p:nvSpPr>
           <p:cNvPr id="10" name="TextBox 9">
@@ -24817,7 +25971,7 @@
           <a:p>
             <a:fld id="{81B9E4A2-CF16-4B90-85C9-8639DC9658EB}" type="slidenum">
               <a:rPr lang="ko-KR" altLang="en-US" smtClean="0"/>
-              <a:t>14</a:t>
+              <a:t>15</a:t>
             </a:fld>
             <a:endParaRPr lang="ko-KR" altLang="en-US"/>
           </a:p>
@@ -24836,7 +25990,7 @@
 </p:sld>
 </file>
 
-<file path=ppt/slides/slide15.xml><?xml version="1.0" encoding="utf-8"?>
+<file path=ppt/slides/slide16.xml><?xml version="1.0" encoding="utf-8"?>
 <p:sld xmlns:a="http://schemas.openxmlformats.org/drawingml/2006/main" xmlns:r="http://schemas.openxmlformats.org/officeDocument/2006/relationships" xmlns:p="http://schemas.openxmlformats.org/presentationml/2006/main">
   <p:cSld>
     <p:bg>
@@ -25225,7 +26379,7 @@
           <a:p>
             <a:fld id="{81B9E4A2-CF16-4B90-85C9-8639DC9658EB}" type="slidenum">
               <a:rPr lang="ko-KR" altLang="en-US" smtClean="0"/>
-              <a:t>15</a:t>
+              <a:t>16</a:t>
             </a:fld>
             <a:endParaRPr lang="ko-KR" altLang="en-US"/>
           </a:p>
@@ -25244,7 +26398,7 @@
 </p:sld>
 </file>
 
-<file path=ppt/slides/slide16.xml><?xml version="1.0" encoding="utf-8"?>
+<file path=ppt/slides/slide17.xml><?xml version="1.0" encoding="utf-8"?>
 <p:sld xmlns:a="http://schemas.openxmlformats.org/drawingml/2006/main" xmlns:r="http://schemas.openxmlformats.org/officeDocument/2006/relationships" xmlns:p="http://schemas.openxmlformats.org/presentationml/2006/main">
   <p:cSld>
     <p:bg>
@@ -25479,7 +26633,7 @@
           <a:p>
             <a:fld id="{81B9E4A2-CF16-4B90-85C9-8639DC9658EB}" type="slidenum">
               <a:rPr lang="ko-KR" altLang="en-US" smtClean="0"/>
-              <a:t>16</a:t>
+              <a:t>17</a:t>
             </a:fld>
             <a:endParaRPr lang="ko-KR" altLang="en-US"/>
           </a:p>
